--- a/VVNCD/Documentation/prese.pptx
+++ b/VVNCD/Documentation/prese.pptx
@@ -2516,14 +2516,348 @@
         </p:blipFill>
         <p:spPr>
           <a:xfrm>
-            <a:off x="3333886" y="5585673"/>
-            <a:ext cx="6367898" cy="3938637"/>
+            <a:off x="7285156" y="5726774"/>
+            <a:ext cx="4833253" cy="2989437"/>
           </a:xfrm>
           <a:prstGeom prst="rect">
             <a:avLst/>
           </a:prstGeom>
         </p:spPr>
       </p:pic>
+      <p:sp>
+        <p:nvSpPr>
+          <p:cNvPr id="3" name="TextBox 2"/>
+          <p:cNvSpPr txBox="1"/>
+          <p:nvPr/>
+        </p:nvSpPr>
+        <p:spPr>
+          <a:xfrm>
+            <a:off x="131802" y="6624923"/>
+            <a:ext cx="4213618" cy="2872581"/>
+          </a:xfrm>
+          <a:prstGeom prst="rect">
+            <a:avLst/>
+          </a:prstGeom>
+          <a:noFill/>
+          <a:ln w="12700" cap="flat">
+            <a:noFill/>
+            <a:miter lim="400000"/>
+          </a:ln>
+          <a:effectLst/>
+        </p:spPr>
+        <p:style>
+          <a:lnRef idx="0">
+            <a:scrgbClr r="0" g="0" b="0"/>
+          </a:lnRef>
+          <a:fillRef idx="0">
+            <a:scrgbClr r="0" g="0" b="0"/>
+          </a:fillRef>
+          <a:effectRef idx="0">
+            <a:scrgbClr r="0" g="0" b="0"/>
+          </a:effectRef>
+          <a:fontRef idx="none"/>
+        </p:style>
+        <p:txBody>
+          <a:bodyPr rot="0" spcFirstLastPara="1" vertOverflow="overflow" horzOverflow="overflow" vert="horz" wrap="none" lIns="50800" tIns="50800" rIns="50800" bIns="50800" numCol="1" spcCol="38100" rtlCol="0" anchor="ctr">
+            <a:spAutoFit/>
+          </a:bodyPr>
+          <a:lstStyle/>
+          <a:p>
+            <a:pPr marL="0" marR="0" indent="0" algn="l" defTabSz="584200" rtl="0" fontAlgn="auto" latinLnBrk="1" hangingPunct="0">
+              <a:lnSpc>
+                <a:spcPct val="100000"/>
+              </a:lnSpc>
+              <a:spcBef>
+                <a:spcPts val="0"/>
+              </a:spcBef>
+              <a:spcAft>
+                <a:spcPts val="0"/>
+              </a:spcAft>
+              <a:buClrTx/>
+              <a:buSzTx/>
+              <a:buFontTx/>
+              <a:buNone/>
+              <a:tabLst/>
+            </a:pPr>
+            <a:r>
+              <a:rPr kumimoji="0" lang="en-US" sz="3600" b="0" i="0" u="none" strike="noStrike" cap="none" spc="0" normalizeH="0" baseline="0" dirty="0" err="1" smtClean="0">
+                <a:ln>
+                  <a:noFill/>
+                </a:ln>
+                <a:solidFill>
+                  <a:srgbClr val="535353"/>
+                </a:solidFill>
+                <a:effectLst/>
+                <a:uFillTx/>
+                <a:latin typeface="+mn-lt"/>
+                <a:ea typeface="+mn-ea"/>
+                <a:cs typeface="+mn-cs"/>
+                <a:sym typeface="Gill Sans Light"/>
+              </a:rPr>
+              <a:t>Christoph</a:t>
+            </a:r>
+            <a:r>
+              <a:rPr kumimoji="0" lang="en-US" sz="3600" b="0" i="0" u="none" strike="noStrike" cap="none" spc="0" normalizeH="0" dirty="0" smtClean="0">
+                <a:ln>
+                  <a:noFill/>
+                </a:ln>
+                <a:solidFill>
+                  <a:srgbClr val="535353"/>
+                </a:solidFill>
+                <a:effectLst/>
+                <a:uFillTx/>
+                <a:latin typeface="+mn-lt"/>
+                <a:ea typeface="+mn-ea"/>
+                <a:cs typeface="+mn-cs"/>
+                <a:sym typeface="Gill Sans Light"/>
+              </a:rPr>
+              <a:t> </a:t>
+            </a:r>
+            <a:r>
+              <a:rPr kumimoji="0" lang="en-US" sz="3600" b="0" i="0" u="none" strike="noStrike" cap="none" spc="0" normalizeH="0" dirty="0" err="1" smtClean="0">
+                <a:ln>
+                  <a:noFill/>
+                </a:ln>
+                <a:solidFill>
+                  <a:srgbClr val="535353"/>
+                </a:solidFill>
+                <a:effectLst/>
+                <a:uFillTx/>
+                <a:latin typeface="+mn-lt"/>
+                <a:ea typeface="+mn-ea"/>
+                <a:cs typeface="+mn-cs"/>
+                <a:sym typeface="Gill Sans Light"/>
+              </a:rPr>
+              <a:t>Heidelmann</a:t>
+            </a:r>
+            <a:endParaRPr kumimoji="0" lang="en-US" sz="3600" b="0" i="0" u="none" strike="noStrike" cap="none" spc="0" normalizeH="0" dirty="0" smtClean="0">
+              <a:ln>
+                <a:noFill/>
+              </a:ln>
+              <a:solidFill>
+                <a:srgbClr val="535353"/>
+              </a:solidFill>
+              <a:effectLst/>
+              <a:uFillTx/>
+              <a:latin typeface="+mn-lt"/>
+              <a:ea typeface="+mn-ea"/>
+              <a:cs typeface="+mn-cs"/>
+              <a:sym typeface="Gill Sans Light"/>
+            </a:endParaRPr>
+          </a:p>
+          <a:p>
+            <a:pPr marL="0" marR="0" indent="0" algn="l" defTabSz="584200" rtl="0" fontAlgn="auto" latinLnBrk="1" hangingPunct="0">
+              <a:lnSpc>
+                <a:spcPct val="100000"/>
+              </a:lnSpc>
+              <a:spcBef>
+                <a:spcPts val="0"/>
+              </a:spcBef>
+              <a:spcAft>
+                <a:spcPts val="0"/>
+              </a:spcAft>
+              <a:buClrTx/>
+              <a:buSzTx/>
+              <a:buFontTx/>
+              <a:buNone/>
+              <a:tabLst/>
+            </a:pPr>
+            <a:r>
+              <a:rPr lang="en-US" baseline="0" dirty="0" smtClean="0"/>
+              <a:t>Nikolai</a:t>
+            </a:r>
+            <a:r>
+              <a:rPr lang="en-US" dirty="0" smtClean="0"/>
+              <a:t> </a:t>
+            </a:r>
+            <a:r>
+              <a:rPr lang="en-US" dirty="0" err="1" smtClean="0"/>
+              <a:t>Gruschke</a:t>
+            </a:r>
+            <a:endParaRPr lang="en-US" dirty="0" smtClean="0"/>
+          </a:p>
+          <a:p>
+            <a:pPr marL="0" marR="0" indent="0" algn="l" defTabSz="584200" rtl="0" fontAlgn="auto" latinLnBrk="1" hangingPunct="0">
+              <a:lnSpc>
+                <a:spcPct val="100000"/>
+              </a:lnSpc>
+              <a:spcBef>
+                <a:spcPts val="0"/>
+              </a:spcBef>
+              <a:spcAft>
+                <a:spcPts val="0"/>
+              </a:spcAft>
+              <a:buClrTx/>
+              <a:buSzTx/>
+              <a:buFontTx/>
+              <a:buNone/>
+              <a:tabLst/>
+            </a:pPr>
+            <a:r>
+              <a:rPr kumimoji="0" lang="en-US" sz="3600" b="0" i="0" u="none" strike="noStrike" cap="none" spc="0" normalizeH="0" baseline="0" dirty="0" err="1" smtClean="0">
+                <a:ln>
+                  <a:noFill/>
+                </a:ln>
+                <a:solidFill>
+                  <a:srgbClr val="535353"/>
+                </a:solidFill>
+                <a:effectLst/>
+                <a:uFillTx/>
+                <a:latin typeface="+mn-lt"/>
+                <a:ea typeface="+mn-ea"/>
+                <a:cs typeface="+mn-cs"/>
+                <a:sym typeface="Gill Sans Light"/>
+              </a:rPr>
+              <a:t>Vadim</a:t>
+            </a:r>
+            <a:r>
+              <a:rPr kumimoji="0" lang="en-US" sz="3600" b="0" i="0" u="none" strike="noStrike" cap="none" spc="0" normalizeH="0" dirty="0" smtClean="0">
+                <a:ln>
+                  <a:noFill/>
+                </a:ln>
+                <a:solidFill>
+                  <a:srgbClr val="535353"/>
+                </a:solidFill>
+                <a:effectLst/>
+                <a:uFillTx/>
+                <a:latin typeface="+mn-lt"/>
+                <a:ea typeface="+mn-ea"/>
+                <a:cs typeface="+mn-cs"/>
+                <a:sym typeface="Gill Sans Light"/>
+              </a:rPr>
+              <a:t> </a:t>
+            </a:r>
+            <a:r>
+              <a:rPr kumimoji="0" lang="en-US" sz="3600" b="0" i="0" u="none" strike="noStrike" cap="none" spc="0" normalizeH="0" dirty="0" err="1" smtClean="0">
+                <a:ln>
+                  <a:noFill/>
+                </a:ln>
+                <a:solidFill>
+                  <a:srgbClr val="535353"/>
+                </a:solidFill>
+                <a:effectLst/>
+                <a:uFillTx/>
+                <a:latin typeface="+mn-lt"/>
+                <a:ea typeface="+mn-ea"/>
+                <a:cs typeface="+mn-cs"/>
+                <a:sym typeface="Gill Sans Light"/>
+              </a:rPr>
+              <a:t>Lopatkin</a:t>
+            </a:r>
+            <a:endParaRPr kumimoji="0" lang="en-US" sz="3600" b="0" i="0" u="none" strike="noStrike" cap="none" spc="0" normalizeH="0" dirty="0" smtClean="0">
+              <a:ln>
+                <a:noFill/>
+              </a:ln>
+              <a:solidFill>
+                <a:srgbClr val="535353"/>
+              </a:solidFill>
+              <a:effectLst/>
+              <a:uFillTx/>
+              <a:latin typeface="+mn-lt"/>
+              <a:ea typeface="+mn-ea"/>
+              <a:cs typeface="+mn-cs"/>
+              <a:sym typeface="Gill Sans Light"/>
+            </a:endParaRPr>
+          </a:p>
+          <a:p>
+            <a:pPr marL="0" marR="0" indent="0" algn="l" defTabSz="584200" rtl="0" fontAlgn="auto" latinLnBrk="1" hangingPunct="0">
+              <a:lnSpc>
+                <a:spcPct val="100000"/>
+              </a:lnSpc>
+              <a:spcBef>
+                <a:spcPts val="0"/>
+              </a:spcBef>
+              <a:spcAft>
+                <a:spcPts val="0"/>
+              </a:spcAft>
+              <a:buClrTx/>
+              <a:buSzTx/>
+              <a:buFontTx/>
+              <a:buNone/>
+              <a:tabLst/>
+            </a:pPr>
+            <a:r>
+              <a:rPr lang="en-US" baseline="0" dirty="0" err="1" smtClean="0"/>
+              <a:t>Vasif</a:t>
+            </a:r>
+            <a:r>
+              <a:rPr lang="en-US" dirty="0" smtClean="0"/>
+              <a:t> </a:t>
+            </a:r>
+            <a:r>
+              <a:rPr lang="en-US" dirty="0" err="1" smtClean="0"/>
+              <a:t>Hasanov</a:t>
+            </a:r>
+            <a:endParaRPr lang="en-US" dirty="0" smtClean="0"/>
+          </a:p>
+          <a:p>
+            <a:pPr marL="0" marR="0" indent="0" algn="l" defTabSz="584200" rtl="0" fontAlgn="auto" latinLnBrk="1" hangingPunct="0">
+              <a:lnSpc>
+                <a:spcPct val="100000"/>
+              </a:lnSpc>
+              <a:spcBef>
+                <a:spcPts val="0"/>
+              </a:spcBef>
+              <a:spcAft>
+                <a:spcPts val="0"/>
+              </a:spcAft>
+              <a:buClrTx/>
+              <a:buSzTx/>
+              <a:buFontTx/>
+              <a:buNone/>
+              <a:tabLst/>
+            </a:pPr>
+            <a:r>
+              <a:rPr kumimoji="0" lang="en-US" sz="3600" b="0" i="0" u="none" strike="noStrike" cap="none" spc="0" normalizeH="0" baseline="0" dirty="0" smtClean="0">
+                <a:ln>
+                  <a:noFill/>
+                </a:ln>
+                <a:solidFill>
+                  <a:srgbClr val="535353"/>
+                </a:solidFill>
+                <a:effectLst/>
+                <a:uFillTx/>
+                <a:latin typeface="+mn-lt"/>
+                <a:ea typeface="+mn-ea"/>
+                <a:cs typeface="+mn-cs"/>
+                <a:sym typeface="Gill Sans Light"/>
+              </a:rPr>
+              <a:t>Diana</a:t>
+            </a:r>
+            <a:r>
+              <a:rPr kumimoji="0" lang="en-US" sz="3600" b="0" i="0" u="none" strike="noStrike" cap="none" spc="0" normalizeH="0" dirty="0" smtClean="0">
+                <a:ln>
+                  <a:noFill/>
+                </a:ln>
+                <a:solidFill>
+                  <a:srgbClr val="535353"/>
+                </a:solidFill>
+                <a:effectLst/>
+                <a:uFillTx/>
+                <a:latin typeface="+mn-lt"/>
+                <a:ea typeface="+mn-ea"/>
+                <a:cs typeface="+mn-cs"/>
+                <a:sym typeface="Gill Sans Light"/>
+              </a:rPr>
+              <a:t> Papyan</a:t>
+            </a:r>
+            <a:endParaRPr kumimoji="0" lang="en-US" sz="3600" b="0" i="0" u="none" strike="noStrike" cap="none" spc="0" normalizeH="0" baseline="0" dirty="0">
+              <a:ln>
+                <a:noFill/>
+              </a:ln>
+              <a:solidFill>
+                <a:srgbClr val="535353"/>
+              </a:solidFill>
+              <a:effectLst/>
+              <a:uFillTx/>
+              <a:latin typeface="+mn-lt"/>
+              <a:ea typeface="+mn-ea"/>
+              <a:cs typeface="+mn-cs"/>
+              <a:sym typeface="Gill Sans Light"/>
+            </a:endParaRPr>
+          </a:p>
+        </p:txBody>
+      </p:sp>
     </p:spTree>
   </p:cSld>
   <p:clrMapOvr>
